--- a/Präsentation.pptx
+++ b/Präsentation.pptx
@@ -5,7 +5,7 @@
     <p:sldMasterId id="2147483767" r:id="rId1"/>
   </p:sldMasterIdLst>
   <p:notesMasterIdLst>
-    <p:notesMasterId r:id="rId12"/>
+    <p:notesMasterId r:id="rId13"/>
   </p:notesMasterIdLst>
   <p:sldIdLst>
     <p:sldId id="256" r:id="rId2"/>
@@ -15,9 +15,10 @@
     <p:sldId id="261" r:id="rId6"/>
     <p:sldId id="262" r:id="rId7"/>
     <p:sldId id="263" r:id="rId8"/>
-    <p:sldId id="264" r:id="rId9"/>
-    <p:sldId id="265" r:id="rId10"/>
-    <p:sldId id="266" r:id="rId11"/>
+    <p:sldId id="267" r:id="rId9"/>
+    <p:sldId id="264" r:id="rId10"/>
+    <p:sldId id="265" r:id="rId11"/>
+    <p:sldId id="266" r:id="rId12"/>
   </p:sldIdLst>
   <p:sldSz cx="12192000" cy="6858000"/>
   <p:notesSz cx="6858000" cy="9144000"/>
@@ -128,6 +129,7 @@
             <p14:sldId id="261"/>
             <p14:sldId id="262"/>
             <p14:sldId id="263"/>
+            <p14:sldId id="267"/>
             <p14:sldId id="264"/>
             <p14:sldId id="265"/>
             <p14:sldId id="266"/>
@@ -6806,12 +6808,14 @@
         </p:nvSpPr>
         <p:spPr/>
         <p:txBody>
-          <a:bodyPr/>
+          <a:bodyPr>
+            <a:normAutofit/>
+          </a:bodyPr>
           <a:lstStyle/>
           <a:p>
             <a:r>
               <a:rPr lang="de-DE" dirty="0" smtClean="0"/>
-              <a:t>Vielen Dank für die Aufmerksamkeit</a:t>
+              <a:t>Falls Fragen aufgekommen sind, können diese nun gestellt werden</a:t>
             </a:r>
             <a:endParaRPr lang="de-DE" dirty="0"/>
           </a:p>
@@ -6832,10 +6836,6 @@
           <a:bodyPr/>
           <a:lstStyle/>
           <a:p>
-            <a:r>
-              <a:rPr lang="de-DE" dirty="0" smtClean="0"/>
-              <a:t>Und einen schönen Feierabend.</a:t>
-            </a:r>
             <a:endParaRPr lang="de-DE" dirty="0"/>
           </a:p>
         </p:txBody>
@@ -6882,6 +6882,136 @@
               <a:rPr lang="en-US" smtClean="0"/>
               <a:pPr/>
               <a:t>10</a:t>
+            </a:fld>
+            <a:endParaRPr lang="en-US" dirty="0"/>
+          </a:p>
+        </p:txBody>
+      </p:sp>
+    </p:spTree>
+    <p:extLst>
+      <p:ext uri="{BB962C8B-B14F-4D97-AF65-F5344CB8AC3E}">
+        <p14:creationId xmlns:p14="http://schemas.microsoft.com/office/powerpoint/2010/main" val="2342025019"/>
+      </p:ext>
+    </p:extLst>
+  </p:cSld>
+  <p:clrMapOvr>
+    <a:masterClrMapping/>
+  </p:clrMapOvr>
+  <p:timing>
+    <p:tnLst>
+      <p:par>
+        <p:cTn id="1" dur="indefinite" restart="never" nodeType="tmRoot"/>
+      </p:par>
+    </p:tnLst>
+  </p:timing>
+</p:sld>
+</file>
+
+<file path=ppt/slides/slide11.xml><?xml version="1.0" encoding="utf-8"?>
+<p:sld xmlns:a="http://schemas.openxmlformats.org/drawingml/2006/main" xmlns:r="http://schemas.openxmlformats.org/officeDocument/2006/relationships" xmlns:p="http://schemas.openxmlformats.org/presentationml/2006/main">
+  <p:cSld>
+    <p:spTree>
+      <p:nvGrpSpPr>
+        <p:cNvPr id="1" name=""/>
+        <p:cNvGrpSpPr/>
+        <p:nvPr/>
+      </p:nvGrpSpPr>
+      <p:grpSpPr>
+        <a:xfrm>
+          <a:off x="0" y="0"/>
+          <a:ext cx="0" cy="0"/>
+          <a:chOff x="0" y="0"/>
+          <a:chExt cx="0" cy="0"/>
+        </a:xfrm>
+      </p:grpSpPr>
+      <p:sp>
+        <p:nvSpPr>
+          <p:cNvPr id="2" name="Titel 1"/>
+          <p:cNvSpPr>
+            <a:spLocks noGrp="1"/>
+          </p:cNvSpPr>
+          <p:nvPr>
+            <p:ph type="title"/>
+          </p:nvPr>
+        </p:nvSpPr>
+        <p:spPr/>
+        <p:txBody>
+          <a:bodyPr/>
+          <a:lstStyle/>
+          <a:p>
+            <a:r>
+              <a:rPr lang="de-DE" dirty="0" smtClean="0"/>
+              <a:t>Vielen Dank für die Aufmerksamkeit</a:t>
+            </a:r>
+            <a:endParaRPr lang="de-DE" dirty="0"/>
+          </a:p>
+        </p:txBody>
+      </p:sp>
+      <p:sp>
+        <p:nvSpPr>
+          <p:cNvPr id="3" name="Textplatzhalter 2"/>
+          <p:cNvSpPr>
+            <a:spLocks noGrp="1"/>
+          </p:cNvSpPr>
+          <p:nvPr>
+            <p:ph type="body" idx="1"/>
+          </p:nvPr>
+        </p:nvSpPr>
+        <p:spPr/>
+        <p:txBody>
+          <a:bodyPr/>
+          <a:lstStyle/>
+          <a:p>
+            <a:r>
+              <a:rPr lang="de-DE" dirty="0" smtClean="0"/>
+              <a:t>Und einen schönen Feierabend.</a:t>
+            </a:r>
+            <a:endParaRPr lang="de-DE" dirty="0"/>
+          </a:p>
+        </p:txBody>
+      </p:sp>
+      <p:sp>
+        <p:nvSpPr>
+          <p:cNvPr id="4" name="Fußzeilenplatzhalter 3"/>
+          <p:cNvSpPr>
+            <a:spLocks noGrp="1"/>
+          </p:cNvSpPr>
+          <p:nvPr>
+            <p:ph type="ftr" sz="quarter" idx="11"/>
+          </p:nvPr>
+        </p:nvSpPr>
+        <p:spPr/>
+        <p:txBody>
+          <a:bodyPr/>
+          <a:lstStyle/>
+          <a:p>
+            <a:r>
+              <a:rPr lang="en-US" smtClean="0"/>
+              <a:t>Service composition - Ewen / Zipfler</a:t>
+            </a:r>
+            <a:endParaRPr lang="en-US" dirty="0"/>
+          </a:p>
+        </p:txBody>
+      </p:sp>
+      <p:sp>
+        <p:nvSpPr>
+          <p:cNvPr id="5" name="Foliennummernplatzhalter 4"/>
+          <p:cNvSpPr>
+            <a:spLocks noGrp="1"/>
+          </p:cNvSpPr>
+          <p:nvPr>
+            <p:ph type="sldNum" sz="quarter" idx="12"/>
+          </p:nvPr>
+        </p:nvSpPr>
+        <p:spPr/>
+        <p:txBody>
+          <a:bodyPr/>
+          <a:lstStyle/>
+          <a:p>
+            <a:fld id="{D57F1E4F-1CFF-5643-939E-217C01CDF565}" type="slidenum">
+              <a:rPr lang="en-US" smtClean="0"/>
+              <a:pPr/>
+              <a:t>11</a:t>
             </a:fld>
             <a:endParaRPr lang="en-US" dirty="0"/>
           </a:p>
@@ -7755,6 +7885,36 @@
           </a:p>
         </p:txBody>
       </p:sp>
+      <p:pic>
+        <p:nvPicPr>
+          <p:cNvPr id="4" name="Grafik 3"/>
+          <p:cNvPicPr>
+            <a:picLocks noChangeAspect="1"/>
+          </p:cNvPicPr>
+          <p:nvPr/>
+        </p:nvPicPr>
+        <p:blipFill>
+          <a:blip r:embed="rId2">
+            <a:extLst>
+              <a:ext uri="{28A0092B-C50C-407E-A947-70E740481C1C}">
+                <a14:useLocalDpi xmlns:a14="http://schemas.microsoft.com/office/drawing/2010/main" val="0"/>
+              </a:ext>
+            </a:extLst>
+          </a:blip>
+          <a:stretch>
+            <a:fillRect/>
+          </a:stretch>
+        </p:blipFill>
+        <p:spPr>
+          <a:xfrm>
+            <a:off x="2408625" y="1286916"/>
+            <a:ext cx="7411484" cy="3905795"/>
+          </a:xfrm>
+          <a:prstGeom prst="rect">
+            <a:avLst/>
+          </a:prstGeom>
+        </p:spPr>
+      </p:pic>
     </p:spTree>
     <p:extLst>
       <p:ext uri="{BB962C8B-B14F-4D97-AF65-F5344CB8AC3E}">
@@ -7794,49 +7954,7 @@
       </p:grpSpPr>
       <p:sp>
         <p:nvSpPr>
-          <p:cNvPr id="2" name="Titel 1"/>
-          <p:cNvSpPr>
-            <a:spLocks noGrp="1"/>
-          </p:cNvSpPr>
-          <p:nvPr>
-            <p:ph type="title"/>
-          </p:nvPr>
-        </p:nvSpPr>
-        <p:spPr/>
-        <p:txBody>
-          <a:bodyPr/>
-          <a:lstStyle/>
-          <a:p>
-            <a:r>
-              <a:rPr lang="de-DE" dirty="0" smtClean="0"/>
-              <a:t>Live Demonstration</a:t>
-            </a:r>
-            <a:endParaRPr lang="de-DE" dirty="0"/>
-          </a:p>
-        </p:txBody>
-      </p:sp>
-      <p:sp>
-        <p:nvSpPr>
-          <p:cNvPr id="3" name="Textplatzhalter 2"/>
-          <p:cNvSpPr>
-            <a:spLocks noGrp="1"/>
-          </p:cNvSpPr>
-          <p:nvPr>
-            <p:ph type="body" idx="1"/>
-          </p:nvPr>
-        </p:nvSpPr>
-        <p:spPr/>
-        <p:txBody>
-          <a:bodyPr/>
-          <a:lstStyle/>
-          <a:p>
-            <a:endParaRPr lang="de-DE"/>
-          </a:p>
-        </p:txBody>
-      </p:sp>
-      <p:sp>
-        <p:nvSpPr>
-          <p:cNvPr id="4" name="Fußzeilenplatzhalter 3"/>
+          <p:cNvPr id="2" name="Fußzeilenplatzhalter 1"/>
           <p:cNvSpPr>
             <a:spLocks noGrp="1"/>
           </p:cNvSpPr>
@@ -7859,7 +7977,7 @@
       </p:sp>
       <p:sp>
         <p:nvSpPr>
-          <p:cNvPr id="5" name="Foliennummernplatzhalter 4"/>
+          <p:cNvPr id="3" name="Foliennummernplatzhalter 2"/>
           <p:cNvSpPr>
             <a:spLocks noGrp="1"/>
           </p:cNvSpPr>
@@ -7881,23 +7999,46 @@
           </a:p>
         </p:txBody>
       </p:sp>
+      <p:pic>
+        <p:nvPicPr>
+          <p:cNvPr id="4" name="Grafik 3"/>
+          <p:cNvPicPr>
+            <a:picLocks noChangeAspect="1"/>
+          </p:cNvPicPr>
+          <p:nvPr/>
+        </p:nvPicPr>
+        <p:blipFill>
+          <a:blip r:embed="rId2">
+            <a:extLst>
+              <a:ext uri="{28A0092B-C50C-407E-A947-70E740481C1C}">
+                <a14:useLocalDpi xmlns:a14="http://schemas.microsoft.com/office/drawing/2010/main" val="0"/>
+              </a:ext>
+            </a:extLst>
+          </a:blip>
+          <a:stretch>
+            <a:fillRect/>
+          </a:stretch>
+        </p:blipFill>
+        <p:spPr>
+          <a:xfrm>
+            <a:off x="2861811" y="1509444"/>
+            <a:ext cx="6468378" cy="3839111"/>
+          </a:xfrm>
+          <a:prstGeom prst="rect">
+            <a:avLst/>
+          </a:prstGeom>
+        </p:spPr>
+      </p:pic>
     </p:spTree>
     <p:extLst>
       <p:ext uri="{BB962C8B-B14F-4D97-AF65-F5344CB8AC3E}">
-        <p14:creationId xmlns:p14="http://schemas.microsoft.com/office/powerpoint/2010/main" val="1611649230"/>
+        <p14:creationId xmlns:p14="http://schemas.microsoft.com/office/powerpoint/2010/main" val="1075050752"/>
       </p:ext>
     </p:extLst>
   </p:cSld>
   <p:clrMapOvr>
     <a:masterClrMapping/>
   </p:clrMapOvr>
-  <p:timing>
-    <p:tnLst>
-      <p:par>
-        <p:cTn id="1" dur="indefinite" restart="never" nodeType="tmRoot"/>
-      </p:par>
-    </p:tnLst>
-  </p:timing>
 </p:sld>
 </file>
 
@@ -7930,14 +8071,12 @@
         </p:nvSpPr>
         <p:spPr/>
         <p:txBody>
-          <a:bodyPr>
-            <a:normAutofit/>
-          </a:bodyPr>
+          <a:bodyPr/>
           <a:lstStyle/>
           <a:p>
             <a:r>
               <a:rPr lang="de-DE" dirty="0" smtClean="0"/>
-              <a:t>Falls Fragen aufgekommen sind, können diese nun gestellt werden</a:t>
+              <a:t>Live Demonstration</a:t>
             </a:r>
             <a:endParaRPr lang="de-DE" dirty="0"/>
           </a:p>
@@ -7958,7 +8097,7 @@
           <a:bodyPr/>
           <a:lstStyle/>
           <a:p>
-            <a:endParaRPr lang="de-DE" dirty="0"/>
+            <a:endParaRPr lang="de-DE"/>
           </a:p>
         </p:txBody>
       </p:sp>
@@ -8012,7 +8151,7 @@
     </p:spTree>
     <p:extLst>
       <p:ext uri="{BB962C8B-B14F-4D97-AF65-F5344CB8AC3E}">
-        <p14:creationId xmlns:p14="http://schemas.microsoft.com/office/powerpoint/2010/main" val="2342025019"/>
+        <p14:creationId xmlns:p14="http://schemas.microsoft.com/office/powerpoint/2010/main" val="1611649230"/>
       </p:ext>
     </p:extLst>
   </p:cSld>
